--- a/ppt 16-9/1412.主的丰盛.pptx
+++ b/ppt 16-9/1412.主的丰盛.pptx
@@ -129,7 +129,7 @@
           <p:cNvPr id="2" name="标题 1">
             <a:extLst>
               <a:ext uri="{FF2B5EF4-FFF2-40B4-BE49-F238E27FC236}">
-                <a16:creationId xmlns:a16="http://schemas.microsoft.com/office/drawing/2014/main" id="{2BBFF124-2E24-03DA-2EA3-7AD586E5089F}"/>
+                <a16:creationId xmlns:a16="http://schemas.microsoft.com/office/drawing/2014/main" id="{41FC9C2A-98B2-6AD2-C0A5-799A1393D842}"/>
               </a:ext>
             </a:extLst>
           </p:cNvPr>
@@ -166,7 +166,7 @@
           <p:cNvPr id="3" name="副标题 2">
             <a:extLst>
               <a:ext uri="{FF2B5EF4-FFF2-40B4-BE49-F238E27FC236}">
-                <a16:creationId xmlns:a16="http://schemas.microsoft.com/office/drawing/2014/main" id="{0C96181D-F017-9218-E9E0-5DBB73EAAEEA}"/>
+                <a16:creationId xmlns:a16="http://schemas.microsoft.com/office/drawing/2014/main" id="{AA2C5FFE-0892-3FB8-31E4-0A3372CA42D9}"/>
               </a:ext>
             </a:extLst>
           </p:cNvPr>
@@ -236,7 +236,7 @@
           <p:cNvPr id="4" name="日期占位符 3">
             <a:extLst>
               <a:ext uri="{FF2B5EF4-FFF2-40B4-BE49-F238E27FC236}">
-                <a16:creationId xmlns:a16="http://schemas.microsoft.com/office/drawing/2014/main" id="{A9079DD5-C8C8-CC0E-CA8A-AAED591B80B6}"/>
+                <a16:creationId xmlns:a16="http://schemas.microsoft.com/office/drawing/2014/main" id="{207BA1B7-E21F-EE69-1694-9ACF0F48B6CA}"/>
               </a:ext>
             </a:extLst>
           </p:cNvPr>
@@ -252,7 +252,7 @@
           <a:bodyPr/>
           <a:lstStyle/>
           <a:p>
-            <a:fld id="{FA038F7A-3927-4F19-9E6A-F31165481588}" type="datetimeFigureOut">
+            <a:fld id="{FCCEA67A-3D41-4BF9-8918-D7F78591ED34}" type="datetimeFigureOut">
               <a:rPr lang="zh-CN" altLang="en-US" smtClean="0"/>
               <a:t>2024/3/10</a:t>
             </a:fld>
@@ -265,7 +265,7 @@
           <p:cNvPr id="5" name="页脚占位符 4">
             <a:extLst>
               <a:ext uri="{FF2B5EF4-FFF2-40B4-BE49-F238E27FC236}">
-                <a16:creationId xmlns:a16="http://schemas.microsoft.com/office/drawing/2014/main" id="{C214EC5D-EBE5-8051-E6CB-7A904CDFCB63}"/>
+                <a16:creationId xmlns:a16="http://schemas.microsoft.com/office/drawing/2014/main" id="{9298F81B-5493-5CC8-DD03-5B348F0BE584}"/>
               </a:ext>
             </a:extLst>
           </p:cNvPr>
@@ -290,7 +290,7 @@
           <p:cNvPr id="6" name="灯片编号占位符 5">
             <a:extLst>
               <a:ext uri="{FF2B5EF4-FFF2-40B4-BE49-F238E27FC236}">
-                <a16:creationId xmlns:a16="http://schemas.microsoft.com/office/drawing/2014/main" id="{563CEEF2-73DC-D382-7C5F-E6440DBB77FE}"/>
+                <a16:creationId xmlns:a16="http://schemas.microsoft.com/office/drawing/2014/main" id="{0EC23848-452F-97C6-3C47-C950E43461B9}"/>
               </a:ext>
             </a:extLst>
           </p:cNvPr>
@@ -306,7 +306,7 @@
           <a:bodyPr/>
           <a:lstStyle/>
           <a:p>
-            <a:fld id="{6511BC7E-DD7D-4D76-9EAB-6F440EE61B64}" type="slidenum">
+            <a:fld id="{04CE76F3-7C53-43B2-9E60-06BC44114E5C}" type="slidenum">
               <a:rPr lang="zh-CN" altLang="en-US" smtClean="0"/>
               <a:t>‹#›</a:t>
             </a:fld>
@@ -317,7 +317,7 @@
     </p:spTree>
     <p:extLst>
       <p:ext uri="{BB962C8B-B14F-4D97-AF65-F5344CB8AC3E}">
-        <p14:creationId xmlns:p14="http://schemas.microsoft.com/office/powerpoint/2010/main" val="3564346166"/>
+        <p14:creationId xmlns:p14="http://schemas.microsoft.com/office/powerpoint/2010/main" val="2937102006"/>
       </p:ext>
     </p:extLst>
   </p:cSld>
@@ -349,7 +349,7 @@
           <p:cNvPr id="2" name="标题 1">
             <a:extLst>
               <a:ext uri="{FF2B5EF4-FFF2-40B4-BE49-F238E27FC236}">
-                <a16:creationId xmlns:a16="http://schemas.microsoft.com/office/drawing/2014/main" id="{A7146739-5773-2716-1191-8A8C1434BADA}"/>
+                <a16:creationId xmlns:a16="http://schemas.microsoft.com/office/drawing/2014/main" id="{3FF31B28-8190-F69B-A31F-D5C7DDAE4518}"/>
               </a:ext>
             </a:extLst>
           </p:cNvPr>
@@ -377,7 +377,7 @@
           <p:cNvPr id="3" name="竖排文字占位符 2">
             <a:extLst>
               <a:ext uri="{FF2B5EF4-FFF2-40B4-BE49-F238E27FC236}">
-                <a16:creationId xmlns:a16="http://schemas.microsoft.com/office/drawing/2014/main" id="{5E956585-5E3D-C9AB-A49F-96750EBE623C}"/>
+                <a16:creationId xmlns:a16="http://schemas.microsoft.com/office/drawing/2014/main" id="{92A887D3-7370-B413-D9F6-75E269DF54FE}"/>
               </a:ext>
             </a:extLst>
           </p:cNvPr>
@@ -434,7 +434,7 @@
           <p:cNvPr id="4" name="日期占位符 3">
             <a:extLst>
               <a:ext uri="{FF2B5EF4-FFF2-40B4-BE49-F238E27FC236}">
-                <a16:creationId xmlns:a16="http://schemas.microsoft.com/office/drawing/2014/main" id="{1F7A8CBF-0692-39AC-2289-D27DF6FF96D3}"/>
+                <a16:creationId xmlns:a16="http://schemas.microsoft.com/office/drawing/2014/main" id="{F476F7A5-AE2D-DD5D-4B34-666928CB23F3}"/>
               </a:ext>
             </a:extLst>
           </p:cNvPr>
@@ -450,7 +450,7 @@
           <a:bodyPr/>
           <a:lstStyle/>
           <a:p>
-            <a:fld id="{FA038F7A-3927-4F19-9E6A-F31165481588}" type="datetimeFigureOut">
+            <a:fld id="{FCCEA67A-3D41-4BF9-8918-D7F78591ED34}" type="datetimeFigureOut">
               <a:rPr lang="zh-CN" altLang="en-US" smtClean="0"/>
               <a:t>2024/3/10</a:t>
             </a:fld>
@@ -463,7 +463,7 @@
           <p:cNvPr id="5" name="页脚占位符 4">
             <a:extLst>
               <a:ext uri="{FF2B5EF4-FFF2-40B4-BE49-F238E27FC236}">
-                <a16:creationId xmlns:a16="http://schemas.microsoft.com/office/drawing/2014/main" id="{F20D89A9-B9F2-8784-8781-023B141E2C06}"/>
+                <a16:creationId xmlns:a16="http://schemas.microsoft.com/office/drawing/2014/main" id="{D7CCAA08-7712-E371-9C84-D7CC02BB39B3}"/>
               </a:ext>
             </a:extLst>
           </p:cNvPr>
@@ -488,7 +488,7 @@
           <p:cNvPr id="6" name="灯片编号占位符 5">
             <a:extLst>
               <a:ext uri="{FF2B5EF4-FFF2-40B4-BE49-F238E27FC236}">
-                <a16:creationId xmlns:a16="http://schemas.microsoft.com/office/drawing/2014/main" id="{2C54E3BE-CF9D-C747-70DB-04BB2D559E6B}"/>
+                <a16:creationId xmlns:a16="http://schemas.microsoft.com/office/drawing/2014/main" id="{603AB3A5-0F0C-DDCD-4755-7559613F16BB}"/>
               </a:ext>
             </a:extLst>
           </p:cNvPr>
@@ -504,7 +504,7 @@
           <a:bodyPr/>
           <a:lstStyle/>
           <a:p>
-            <a:fld id="{6511BC7E-DD7D-4D76-9EAB-6F440EE61B64}" type="slidenum">
+            <a:fld id="{04CE76F3-7C53-43B2-9E60-06BC44114E5C}" type="slidenum">
               <a:rPr lang="zh-CN" altLang="en-US" smtClean="0"/>
               <a:t>‹#›</a:t>
             </a:fld>
@@ -515,7 +515,7 @@
     </p:spTree>
     <p:extLst>
       <p:ext uri="{BB962C8B-B14F-4D97-AF65-F5344CB8AC3E}">
-        <p14:creationId xmlns:p14="http://schemas.microsoft.com/office/powerpoint/2010/main" val="157820117"/>
+        <p14:creationId xmlns:p14="http://schemas.microsoft.com/office/powerpoint/2010/main" val="1133478233"/>
       </p:ext>
     </p:extLst>
   </p:cSld>
@@ -547,7 +547,7 @@
           <p:cNvPr id="2" name="竖排标题 1">
             <a:extLst>
               <a:ext uri="{FF2B5EF4-FFF2-40B4-BE49-F238E27FC236}">
-                <a16:creationId xmlns:a16="http://schemas.microsoft.com/office/drawing/2014/main" id="{1EBD71BB-3E2A-9544-C18C-DCB97E5AB207}"/>
+                <a16:creationId xmlns:a16="http://schemas.microsoft.com/office/drawing/2014/main" id="{5D777CCE-2D27-1F4D-5A63-099F2ECCAB7F}"/>
               </a:ext>
             </a:extLst>
           </p:cNvPr>
@@ -580,7 +580,7 @@
           <p:cNvPr id="3" name="竖排文字占位符 2">
             <a:extLst>
               <a:ext uri="{FF2B5EF4-FFF2-40B4-BE49-F238E27FC236}">
-                <a16:creationId xmlns:a16="http://schemas.microsoft.com/office/drawing/2014/main" id="{7DF324B2-7572-37A4-D6D2-1D864818625D}"/>
+                <a16:creationId xmlns:a16="http://schemas.microsoft.com/office/drawing/2014/main" id="{4E05F94C-BEE3-13E9-4C85-69B5BC2C8E0C}"/>
               </a:ext>
             </a:extLst>
           </p:cNvPr>
@@ -642,7 +642,7 @@
           <p:cNvPr id="4" name="日期占位符 3">
             <a:extLst>
               <a:ext uri="{FF2B5EF4-FFF2-40B4-BE49-F238E27FC236}">
-                <a16:creationId xmlns:a16="http://schemas.microsoft.com/office/drawing/2014/main" id="{C3A6943E-74B9-D846-A888-AFE4E91D6CF6}"/>
+                <a16:creationId xmlns:a16="http://schemas.microsoft.com/office/drawing/2014/main" id="{B044E247-C61B-A051-D576-51CFAFC40591}"/>
               </a:ext>
             </a:extLst>
           </p:cNvPr>
@@ -658,7 +658,7 @@
           <a:bodyPr/>
           <a:lstStyle/>
           <a:p>
-            <a:fld id="{FA038F7A-3927-4F19-9E6A-F31165481588}" type="datetimeFigureOut">
+            <a:fld id="{FCCEA67A-3D41-4BF9-8918-D7F78591ED34}" type="datetimeFigureOut">
               <a:rPr lang="zh-CN" altLang="en-US" smtClean="0"/>
               <a:t>2024/3/10</a:t>
             </a:fld>
@@ -671,7 +671,7 @@
           <p:cNvPr id="5" name="页脚占位符 4">
             <a:extLst>
               <a:ext uri="{FF2B5EF4-FFF2-40B4-BE49-F238E27FC236}">
-                <a16:creationId xmlns:a16="http://schemas.microsoft.com/office/drawing/2014/main" id="{E8EE3785-E4E4-FC2D-90AF-017E371880BD}"/>
+                <a16:creationId xmlns:a16="http://schemas.microsoft.com/office/drawing/2014/main" id="{2868A1F2-2BDF-78E8-CD8A-9101AF022461}"/>
               </a:ext>
             </a:extLst>
           </p:cNvPr>
@@ -696,7 +696,7 @@
           <p:cNvPr id="6" name="灯片编号占位符 5">
             <a:extLst>
               <a:ext uri="{FF2B5EF4-FFF2-40B4-BE49-F238E27FC236}">
-                <a16:creationId xmlns:a16="http://schemas.microsoft.com/office/drawing/2014/main" id="{D61B089C-352A-40BE-5C7A-0AD0413C0D0A}"/>
+                <a16:creationId xmlns:a16="http://schemas.microsoft.com/office/drawing/2014/main" id="{FEEBDE94-0B8C-99F5-49C9-88259CEA9E70}"/>
               </a:ext>
             </a:extLst>
           </p:cNvPr>
@@ -712,7 +712,7 @@
           <a:bodyPr/>
           <a:lstStyle/>
           <a:p>
-            <a:fld id="{6511BC7E-DD7D-4D76-9EAB-6F440EE61B64}" type="slidenum">
+            <a:fld id="{04CE76F3-7C53-43B2-9E60-06BC44114E5C}" type="slidenum">
               <a:rPr lang="zh-CN" altLang="en-US" smtClean="0"/>
               <a:t>‹#›</a:t>
             </a:fld>
@@ -723,7 +723,7 @@
     </p:spTree>
     <p:extLst>
       <p:ext uri="{BB962C8B-B14F-4D97-AF65-F5344CB8AC3E}">
-        <p14:creationId xmlns:p14="http://schemas.microsoft.com/office/powerpoint/2010/main" val="835699179"/>
+        <p14:creationId xmlns:p14="http://schemas.microsoft.com/office/powerpoint/2010/main" val="3064621710"/>
       </p:ext>
     </p:extLst>
   </p:cSld>
@@ -755,7 +755,7 @@
           <p:cNvPr id="2" name="标题 1">
             <a:extLst>
               <a:ext uri="{FF2B5EF4-FFF2-40B4-BE49-F238E27FC236}">
-                <a16:creationId xmlns:a16="http://schemas.microsoft.com/office/drawing/2014/main" id="{CB885202-4157-9A72-79F8-1F3F73D86195}"/>
+                <a16:creationId xmlns:a16="http://schemas.microsoft.com/office/drawing/2014/main" id="{FCF06BAD-5CFB-F08C-B476-DA12E98FD392}"/>
               </a:ext>
             </a:extLst>
           </p:cNvPr>
@@ -783,7 +783,7 @@
           <p:cNvPr id="3" name="内容占位符 2">
             <a:extLst>
               <a:ext uri="{FF2B5EF4-FFF2-40B4-BE49-F238E27FC236}">
-                <a16:creationId xmlns:a16="http://schemas.microsoft.com/office/drawing/2014/main" id="{F55BBCAB-E0AD-BB33-32AB-2D83FB547419}"/>
+                <a16:creationId xmlns:a16="http://schemas.microsoft.com/office/drawing/2014/main" id="{FE8D48A6-6447-4376-5490-2F430B09FF62}"/>
               </a:ext>
             </a:extLst>
           </p:cNvPr>
@@ -840,7 +840,7 @@
           <p:cNvPr id="4" name="日期占位符 3">
             <a:extLst>
               <a:ext uri="{FF2B5EF4-FFF2-40B4-BE49-F238E27FC236}">
-                <a16:creationId xmlns:a16="http://schemas.microsoft.com/office/drawing/2014/main" id="{FDB97F2B-E4CB-1804-81CC-6112E77C73B5}"/>
+                <a16:creationId xmlns:a16="http://schemas.microsoft.com/office/drawing/2014/main" id="{45F795AF-E7FF-2494-B196-108075019854}"/>
               </a:ext>
             </a:extLst>
           </p:cNvPr>
@@ -856,7 +856,7 @@
           <a:bodyPr/>
           <a:lstStyle/>
           <a:p>
-            <a:fld id="{FA038F7A-3927-4F19-9E6A-F31165481588}" type="datetimeFigureOut">
+            <a:fld id="{FCCEA67A-3D41-4BF9-8918-D7F78591ED34}" type="datetimeFigureOut">
               <a:rPr lang="zh-CN" altLang="en-US" smtClean="0"/>
               <a:t>2024/3/10</a:t>
             </a:fld>
@@ -869,7 +869,7 @@
           <p:cNvPr id="5" name="页脚占位符 4">
             <a:extLst>
               <a:ext uri="{FF2B5EF4-FFF2-40B4-BE49-F238E27FC236}">
-                <a16:creationId xmlns:a16="http://schemas.microsoft.com/office/drawing/2014/main" id="{E4CAEE4D-81CD-7C0B-514E-12093961D18B}"/>
+                <a16:creationId xmlns:a16="http://schemas.microsoft.com/office/drawing/2014/main" id="{E67B5C0A-BCB6-8DCD-2998-8338378FEC7F}"/>
               </a:ext>
             </a:extLst>
           </p:cNvPr>
@@ -894,7 +894,7 @@
           <p:cNvPr id="6" name="灯片编号占位符 5">
             <a:extLst>
               <a:ext uri="{FF2B5EF4-FFF2-40B4-BE49-F238E27FC236}">
-                <a16:creationId xmlns:a16="http://schemas.microsoft.com/office/drawing/2014/main" id="{40AE1354-43C7-E729-3C7E-6C496D554E1B}"/>
+                <a16:creationId xmlns:a16="http://schemas.microsoft.com/office/drawing/2014/main" id="{6792FD78-7FF4-1B53-90A0-9FE54C127F3B}"/>
               </a:ext>
             </a:extLst>
           </p:cNvPr>
@@ -910,7 +910,7 @@
           <a:bodyPr/>
           <a:lstStyle/>
           <a:p>
-            <a:fld id="{6511BC7E-DD7D-4D76-9EAB-6F440EE61B64}" type="slidenum">
+            <a:fld id="{04CE76F3-7C53-43B2-9E60-06BC44114E5C}" type="slidenum">
               <a:rPr lang="zh-CN" altLang="en-US" smtClean="0"/>
               <a:t>‹#›</a:t>
             </a:fld>
@@ -921,7 +921,7 @@
     </p:spTree>
     <p:extLst>
       <p:ext uri="{BB962C8B-B14F-4D97-AF65-F5344CB8AC3E}">
-        <p14:creationId xmlns:p14="http://schemas.microsoft.com/office/powerpoint/2010/main" val="2755738638"/>
+        <p14:creationId xmlns:p14="http://schemas.microsoft.com/office/powerpoint/2010/main" val="3501226598"/>
       </p:ext>
     </p:extLst>
   </p:cSld>
@@ -953,7 +953,7 @@
           <p:cNvPr id="2" name="标题 1">
             <a:extLst>
               <a:ext uri="{FF2B5EF4-FFF2-40B4-BE49-F238E27FC236}">
-                <a16:creationId xmlns:a16="http://schemas.microsoft.com/office/drawing/2014/main" id="{6F36FF82-9425-9FAA-E000-D2E9C8167666}"/>
+                <a16:creationId xmlns:a16="http://schemas.microsoft.com/office/drawing/2014/main" id="{4479609B-34AB-8ACD-8CF3-1F8A1C656793}"/>
               </a:ext>
             </a:extLst>
           </p:cNvPr>
@@ -990,7 +990,7 @@
           <p:cNvPr id="3" name="文本占位符 2">
             <a:extLst>
               <a:ext uri="{FF2B5EF4-FFF2-40B4-BE49-F238E27FC236}">
-                <a16:creationId xmlns:a16="http://schemas.microsoft.com/office/drawing/2014/main" id="{740A4FCA-AF6D-2B97-22B0-F6A12A0778F8}"/>
+                <a16:creationId xmlns:a16="http://schemas.microsoft.com/office/drawing/2014/main" id="{E9431CC2-387E-2453-AB10-9B873FE3B441}"/>
               </a:ext>
             </a:extLst>
           </p:cNvPr>
@@ -1115,7 +1115,7 @@
           <p:cNvPr id="4" name="日期占位符 3">
             <a:extLst>
               <a:ext uri="{FF2B5EF4-FFF2-40B4-BE49-F238E27FC236}">
-                <a16:creationId xmlns:a16="http://schemas.microsoft.com/office/drawing/2014/main" id="{71CC6CC8-73FC-7EA4-2A17-820D63B94BC5}"/>
+                <a16:creationId xmlns:a16="http://schemas.microsoft.com/office/drawing/2014/main" id="{859C019D-79A7-FEAB-D9CE-5FF746127D1A}"/>
               </a:ext>
             </a:extLst>
           </p:cNvPr>
@@ -1131,7 +1131,7 @@
           <a:bodyPr/>
           <a:lstStyle/>
           <a:p>
-            <a:fld id="{FA038F7A-3927-4F19-9E6A-F31165481588}" type="datetimeFigureOut">
+            <a:fld id="{FCCEA67A-3D41-4BF9-8918-D7F78591ED34}" type="datetimeFigureOut">
               <a:rPr lang="zh-CN" altLang="en-US" smtClean="0"/>
               <a:t>2024/3/10</a:t>
             </a:fld>
@@ -1144,7 +1144,7 @@
           <p:cNvPr id="5" name="页脚占位符 4">
             <a:extLst>
               <a:ext uri="{FF2B5EF4-FFF2-40B4-BE49-F238E27FC236}">
-                <a16:creationId xmlns:a16="http://schemas.microsoft.com/office/drawing/2014/main" id="{661A12CD-2A31-7508-A2BC-3F7C5FC778BE}"/>
+                <a16:creationId xmlns:a16="http://schemas.microsoft.com/office/drawing/2014/main" id="{6048FC7A-F4B6-296D-04B1-C6BE49E8BE81}"/>
               </a:ext>
             </a:extLst>
           </p:cNvPr>
@@ -1169,7 +1169,7 @@
           <p:cNvPr id="6" name="灯片编号占位符 5">
             <a:extLst>
               <a:ext uri="{FF2B5EF4-FFF2-40B4-BE49-F238E27FC236}">
-                <a16:creationId xmlns:a16="http://schemas.microsoft.com/office/drawing/2014/main" id="{14E3D3B4-3DF9-7221-18AB-F4840E3332D2}"/>
+                <a16:creationId xmlns:a16="http://schemas.microsoft.com/office/drawing/2014/main" id="{15B0A0C3-7C79-FCF6-9992-6FCB169890DE}"/>
               </a:ext>
             </a:extLst>
           </p:cNvPr>
@@ -1185,7 +1185,7 @@
           <a:bodyPr/>
           <a:lstStyle/>
           <a:p>
-            <a:fld id="{6511BC7E-DD7D-4D76-9EAB-6F440EE61B64}" type="slidenum">
+            <a:fld id="{04CE76F3-7C53-43B2-9E60-06BC44114E5C}" type="slidenum">
               <a:rPr lang="zh-CN" altLang="en-US" smtClean="0"/>
               <a:t>‹#›</a:t>
             </a:fld>
@@ -1196,7 +1196,7 @@
     </p:spTree>
     <p:extLst>
       <p:ext uri="{BB962C8B-B14F-4D97-AF65-F5344CB8AC3E}">
-        <p14:creationId xmlns:p14="http://schemas.microsoft.com/office/powerpoint/2010/main" val="608651899"/>
+        <p14:creationId xmlns:p14="http://schemas.microsoft.com/office/powerpoint/2010/main" val="63316393"/>
       </p:ext>
     </p:extLst>
   </p:cSld>
@@ -1228,7 +1228,7 @@
           <p:cNvPr id="2" name="标题 1">
             <a:extLst>
               <a:ext uri="{FF2B5EF4-FFF2-40B4-BE49-F238E27FC236}">
-                <a16:creationId xmlns:a16="http://schemas.microsoft.com/office/drawing/2014/main" id="{95DA0804-FCB4-4F3F-D3D1-D78A4AD369AC}"/>
+                <a16:creationId xmlns:a16="http://schemas.microsoft.com/office/drawing/2014/main" id="{E467BA8E-2294-66DA-B189-BB7B53ECF1B2}"/>
               </a:ext>
             </a:extLst>
           </p:cNvPr>
@@ -1256,7 +1256,7 @@
           <p:cNvPr id="3" name="内容占位符 2">
             <a:extLst>
               <a:ext uri="{FF2B5EF4-FFF2-40B4-BE49-F238E27FC236}">
-                <a16:creationId xmlns:a16="http://schemas.microsoft.com/office/drawing/2014/main" id="{890B78C9-10E4-6FE6-ED8B-58020F2B8C3F}"/>
+                <a16:creationId xmlns:a16="http://schemas.microsoft.com/office/drawing/2014/main" id="{6393E48B-2507-FC71-672C-AED91C66511C}"/>
               </a:ext>
             </a:extLst>
           </p:cNvPr>
@@ -1318,7 +1318,7 @@
           <p:cNvPr id="4" name="内容占位符 3">
             <a:extLst>
               <a:ext uri="{FF2B5EF4-FFF2-40B4-BE49-F238E27FC236}">
-                <a16:creationId xmlns:a16="http://schemas.microsoft.com/office/drawing/2014/main" id="{32F865AE-FA3E-42A7-5426-FC62FFDBABC7}"/>
+                <a16:creationId xmlns:a16="http://schemas.microsoft.com/office/drawing/2014/main" id="{2169E2C8-73E0-554A-5E16-1BB63F384DB1}"/>
               </a:ext>
             </a:extLst>
           </p:cNvPr>
@@ -1380,7 +1380,7 @@
           <p:cNvPr id="5" name="日期占位符 4">
             <a:extLst>
               <a:ext uri="{FF2B5EF4-FFF2-40B4-BE49-F238E27FC236}">
-                <a16:creationId xmlns:a16="http://schemas.microsoft.com/office/drawing/2014/main" id="{1CF3CB1B-67DB-19FA-B37A-338E67573195}"/>
+                <a16:creationId xmlns:a16="http://schemas.microsoft.com/office/drawing/2014/main" id="{53F6D190-C1DA-4789-F0FE-830138409798}"/>
               </a:ext>
             </a:extLst>
           </p:cNvPr>
@@ -1396,7 +1396,7 @@
           <a:bodyPr/>
           <a:lstStyle/>
           <a:p>
-            <a:fld id="{FA038F7A-3927-4F19-9E6A-F31165481588}" type="datetimeFigureOut">
+            <a:fld id="{FCCEA67A-3D41-4BF9-8918-D7F78591ED34}" type="datetimeFigureOut">
               <a:rPr lang="zh-CN" altLang="en-US" smtClean="0"/>
               <a:t>2024/3/10</a:t>
             </a:fld>
@@ -1409,7 +1409,7 @@
           <p:cNvPr id="6" name="页脚占位符 5">
             <a:extLst>
               <a:ext uri="{FF2B5EF4-FFF2-40B4-BE49-F238E27FC236}">
-                <a16:creationId xmlns:a16="http://schemas.microsoft.com/office/drawing/2014/main" id="{AC11AC62-4585-B44A-173F-96726230384E}"/>
+                <a16:creationId xmlns:a16="http://schemas.microsoft.com/office/drawing/2014/main" id="{1E050628-0E30-1255-F1CB-EE8D71873941}"/>
               </a:ext>
             </a:extLst>
           </p:cNvPr>
@@ -1434,7 +1434,7 @@
           <p:cNvPr id="7" name="灯片编号占位符 6">
             <a:extLst>
               <a:ext uri="{FF2B5EF4-FFF2-40B4-BE49-F238E27FC236}">
-                <a16:creationId xmlns:a16="http://schemas.microsoft.com/office/drawing/2014/main" id="{5C8B16E0-AE4D-2B7E-68F6-7136DBDD481C}"/>
+                <a16:creationId xmlns:a16="http://schemas.microsoft.com/office/drawing/2014/main" id="{EAF46FCA-4535-6295-A004-1E06C0ADF425}"/>
               </a:ext>
             </a:extLst>
           </p:cNvPr>
@@ -1450,7 +1450,7 @@
           <a:bodyPr/>
           <a:lstStyle/>
           <a:p>
-            <a:fld id="{6511BC7E-DD7D-4D76-9EAB-6F440EE61B64}" type="slidenum">
+            <a:fld id="{04CE76F3-7C53-43B2-9E60-06BC44114E5C}" type="slidenum">
               <a:rPr lang="zh-CN" altLang="en-US" smtClean="0"/>
               <a:t>‹#›</a:t>
             </a:fld>
@@ -1461,7 +1461,7 @@
     </p:spTree>
     <p:extLst>
       <p:ext uri="{BB962C8B-B14F-4D97-AF65-F5344CB8AC3E}">
-        <p14:creationId xmlns:p14="http://schemas.microsoft.com/office/powerpoint/2010/main" val="1470601629"/>
+        <p14:creationId xmlns:p14="http://schemas.microsoft.com/office/powerpoint/2010/main" val="3693258106"/>
       </p:ext>
     </p:extLst>
   </p:cSld>
@@ -1493,7 +1493,7 @@
           <p:cNvPr id="2" name="标题 1">
             <a:extLst>
               <a:ext uri="{FF2B5EF4-FFF2-40B4-BE49-F238E27FC236}">
-                <a16:creationId xmlns:a16="http://schemas.microsoft.com/office/drawing/2014/main" id="{40E60B46-7029-6601-DA41-0027E1F1B197}"/>
+                <a16:creationId xmlns:a16="http://schemas.microsoft.com/office/drawing/2014/main" id="{37FE010B-01A7-6ED4-40C2-314D24FD292F}"/>
               </a:ext>
             </a:extLst>
           </p:cNvPr>
@@ -1526,7 +1526,7 @@
           <p:cNvPr id="3" name="文本占位符 2">
             <a:extLst>
               <a:ext uri="{FF2B5EF4-FFF2-40B4-BE49-F238E27FC236}">
-                <a16:creationId xmlns:a16="http://schemas.microsoft.com/office/drawing/2014/main" id="{BD3494F5-7213-6A82-B541-09CB9D637FA4}"/>
+                <a16:creationId xmlns:a16="http://schemas.microsoft.com/office/drawing/2014/main" id="{DB35C1E8-5C1D-4E9D-B36A-2820BF37AD59}"/>
               </a:ext>
             </a:extLst>
           </p:cNvPr>
@@ -1597,7 +1597,7 @@
           <p:cNvPr id="4" name="内容占位符 3">
             <a:extLst>
               <a:ext uri="{FF2B5EF4-FFF2-40B4-BE49-F238E27FC236}">
-                <a16:creationId xmlns:a16="http://schemas.microsoft.com/office/drawing/2014/main" id="{60E39174-FE72-81B2-3823-A2A4BD41D9D7}"/>
+                <a16:creationId xmlns:a16="http://schemas.microsoft.com/office/drawing/2014/main" id="{4D3DE04F-F1BA-8304-56EB-DB783E876152}"/>
               </a:ext>
             </a:extLst>
           </p:cNvPr>
@@ -1659,7 +1659,7 @@
           <p:cNvPr id="5" name="文本占位符 4">
             <a:extLst>
               <a:ext uri="{FF2B5EF4-FFF2-40B4-BE49-F238E27FC236}">
-                <a16:creationId xmlns:a16="http://schemas.microsoft.com/office/drawing/2014/main" id="{6879D8F5-DD44-FBC4-FC24-9677DB2C26AC}"/>
+                <a16:creationId xmlns:a16="http://schemas.microsoft.com/office/drawing/2014/main" id="{E27ACB22-461E-9A86-BAB7-4C7A83AF589B}"/>
               </a:ext>
             </a:extLst>
           </p:cNvPr>
@@ -1730,7 +1730,7 @@
           <p:cNvPr id="6" name="内容占位符 5">
             <a:extLst>
               <a:ext uri="{FF2B5EF4-FFF2-40B4-BE49-F238E27FC236}">
-                <a16:creationId xmlns:a16="http://schemas.microsoft.com/office/drawing/2014/main" id="{25834D3F-84E5-43A8-FE1A-4C806858828B}"/>
+                <a16:creationId xmlns:a16="http://schemas.microsoft.com/office/drawing/2014/main" id="{7B1A0757-AD19-EC63-BD9E-870CE4313239}"/>
               </a:ext>
             </a:extLst>
           </p:cNvPr>
@@ -1792,7 +1792,7 @@
           <p:cNvPr id="7" name="日期占位符 6">
             <a:extLst>
               <a:ext uri="{FF2B5EF4-FFF2-40B4-BE49-F238E27FC236}">
-                <a16:creationId xmlns:a16="http://schemas.microsoft.com/office/drawing/2014/main" id="{29493AC7-A3CB-5B14-7BF2-7A59E2C0823E}"/>
+                <a16:creationId xmlns:a16="http://schemas.microsoft.com/office/drawing/2014/main" id="{0939B1D5-1B99-BD7E-5AF8-E3BC5671A721}"/>
               </a:ext>
             </a:extLst>
           </p:cNvPr>
@@ -1808,7 +1808,7 @@
           <a:bodyPr/>
           <a:lstStyle/>
           <a:p>
-            <a:fld id="{FA038F7A-3927-4F19-9E6A-F31165481588}" type="datetimeFigureOut">
+            <a:fld id="{FCCEA67A-3D41-4BF9-8918-D7F78591ED34}" type="datetimeFigureOut">
               <a:rPr lang="zh-CN" altLang="en-US" smtClean="0"/>
               <a:t>2024/3/10</a:t>
             </a:fld>
@@ -1821,7 +1821,7 @@
           <p:cNvPr id="8" name="页脚占位符 7">
             <a:extLst>
               <a:ext uri="{FF2B5EF4-FFF2-40B4-BE49-F238E27FC236}">
-                <a16:creationId xmlns:a16="http://schemas.microsoft.com/office/drawing/2014/main" id="{8806C400-B883-DA2D-A7A1-1BB05C39BC2B}"/>
+                <a16:creationId xmlns:a16="http://schemas.microsoft.com/office/drawing/2014/main" id="{62E7D9C1-FE4E-D002-EFD4-819A88AC7906}"/>
               </a:ext>
             </a:extLst>
           </p:cNvPr>
@@ -1846,7 +1846,7 @@
           <p:cNvPr id="9" name="灯片编号占位符 8">
             <a:extLst>
               <a:ext uri="{FF2B5EF4-FFF2-40B4-BE49-F238E27FC236}">
-                <a16:creationId xmlns:a16="http://schemas.microsoft.com/office/drawing/2014/main" id="{47CDD5AF-4B17-50AD-D77E-74471BDD0800}"/>
+                <a16:creationId xmlns:a16="http://schemas.microsoft.com/office/drawing/2014/main" id="{A741C1B5-AF25-6E5C-3178-95827584DC37}"/>
               </a:ext>
             </a:extLst>
           </p:cNvPr>
@@ -1862,7 +1862,7 @@
           <a:bodyPr/>
           <a:lstStyle/>
           <a:p>
-            <a:fld id="{6511BC7E-DD7D-4D76-9EAB-6F440EE61B64}" type="slidenum">
+            <a:fld id="{04CE76F3-7C53-43B2-9E60-06BC44114E5C}" type="slidenum">
               <a:rPr lang="zh-CN" altLang="en-US" smtClean="0"/>
               <a:t>‹#›</a:t>
             </a:fld>
@@ -1873,7 +1873,7 @@
     </p:spTree>
     <p:extLst>
       <p:ext uri="{BB962C8B-B14F-4D97-AF65-F5344CB8AC3E}">
-        <p14:creationId xmlns:p14="http://schemas.microsoft.com/office/powerpoint/2010/main" val="2661303670"/>
+        <p14:creationId xmlns:p14="http://schemas.microsoft.com/office/powerpoint/2010/main" val="1478190626"/>
       </p:ext>
     </p:extLst>
   </p:cSld>
@@ -1905,7 +1905,7 @@
           <p:cNvPr id="2" name="标题 1">
             <a:extLst>
               <a:ext uri="{FF2B5EF4-FFF2-40B4-BE49-F238E27FC236}">
-                <a16:creationId xmlns:a16="http://schemas.microsoft.com/office/drawing/2014/main" id="{A08A9F15-DB9A-7849-4528-579592ADB7B8}"/>
+                <a16:creationId xmlns:a16="http://schemas.microsoft.com/office/drawing/2014/main" id="{2062CA07-4312-7D20-92CA-58EB886B47A6}"/>
               </a:ext>
             </a:extLst>
           </p:cNvPr>
@@ -1933,7 +1933,7 @@
           <p:cNvPr id="3" name="日期占位符 2">
             <a:extLst>
               <a:ext uri="{FF2B5EF4-FFF2-40B4-BE49-F238E27FC236}">
-                <a16:creationId xmlns:a16="http://schemas.microsoft.com/office/drawing/2014/main" id="{3BBECE02-7118-14AB-72DD-90E4FE8FB168}"/>
+                <a16:creationId xmlns:a16="http://schemas.microsoft.com/office/drawing/2014/main" id="{47BE32E4-9B4F-8F51-4FBF-8B84BCE579CC}"/>
               </a:ext>
             </a:extLst>
           </p:cNvPr>
@@ -1949,7 +1949,7 @@
           <a:bodyPr/>
           <a:lstStyle/>
           <a:p>
-            <a:fld id="{FA038F7A-3927-4F19-9E6A-F31165481588}" type="datetimeFigureOut">
+            <a:fld id="{FCCEA67A-3D41-4BF9-8918-D7F78591ED34}" type="datetimeFigureOut">
               <a:rPr lang="zh-CN" altLang="en-US" smtClean="0"/>
               <a:t>2024/3/10</a:t>
             </a:fld>
@@ -1962,7 +1962,7 @@
           <p:cNvPr id="4" name="页脚占位符 3">
             <a:extLst>
               <a:ext uri="{FF2B5EF4-FFF2-40B4-BE49-F238E27FC236}">
-                <a16:creationId xmlns:a16="http://schemas.microsoft.com/office/drawing/2014/main" id="{7B8A20B7-6BE4-9C72-B563-531A657B17C5}"/>
+                <a16:creationId xmlns:a16="http://schemas.microsoft.com/office/drawing/2014/main" id="{2BF708CB-AE32-5D96-00C8-301A5340292D}"/>
               </a:ext>
             </a:extLst>
           </p:cNvPr>
@@ -1987,7 +1987,7 @@
           <p:cNvPr id="5" name="灯片编号占位符 4">
             <a:extLst>
               <a:ext uri="{FF2B5EF4-FFF2-40B4-BE49-F238E27FC236}">
-                <a16:creationId xmlns:a16="http://schemas.microsoft.com/office/drawing/2014/main" id="{91A11A88-BD86-D27B-DD86-E072F5AF49F3}"/>
+                <a16:creationId xmlns:a16="http://schemas.microsoft.com/office/drawing/2014/main" id="{9875F4A7-195E-2C1C-9D99-766FEFEAAEBC}"/>
               </a:ext>
             </a:extLst>
           </p:cNvPr>
@@ -2003,7 +2003,7 @@
           <a:bodyPr/>
           <a:lstStyle/>
           <a:p>
-            <a:fld id="{6511BC7E-DD7D-4D76-9EAB-6F440EE61B64}" type="slidenum">
+            <a:fld id="{04CE76F3-7C53-43B2-9E60-06BC44114E5C}" type="slidenum">
               <a:rPr lang="zh-CN" altLang="en-US" smtClean="0"/>
               <a:t>‹#›</a:t>
             </a:fld>
@@ -2014,7 +2014,7 @@
     </p:spTree>
     <p:extLst>
       <p:ext uri="{BB962C8B-B14F-4D97-AF65-F5344CB8AC3E}">
-        <p14:creationId xmlns:p14="http://schemas.microsoft.com/office/powerpoint/2010/main" val="518989032"/>
+        <p14:creationId xmlns:p14="http://schemas.microsoft.com/office/powerpoint/2010/main" val="2573821374"/>
       </p:ext>
     </p:extLst>
   </p:cSld>
@@ -2046,7 +2046,7 @@
           <p:cNvPr id="2" name="日期占位符 1">
             <a:extLst>
               <a:ext uri="{FF2B5EF4-FFF2-40B4-BE49-F238E27FC236}">
-                <a16:creationId xmlns:a16="http://schemas.microsoft.com/office/drawing/2014/main" id="{E874FD21-200D-60A2-6336-8BB2C48DD1AF}"/>
+                <a16:creationId xmlns:a16="http://schemas.microsoft.com/office/drawing/2014/main" id="{0F272A5C-CAC8-1120-0A62-8B327E170025}"/>
               </a:ext>
             </a:extLst>
           </p:cNvPr>
@@ -2062,7 +2062,7 @@
           <a:bodyPr/>
           <a:lstStyle/>
           <a:p>
-            <a:fld id="{FA038F7A-3927-4F19-9E6A-F31165481588}" type="datetimeFigureOut">
+            <a:fld id="{FCCEA67A-3D41-4BF9-8918-D7F78591ED34}" type="datetimeFigureOut">
               <a:rPr lang="zh-CN" altLang="en-US" smtClean="0"/>
               <a:t>2024/3/10</a:t>
             </a:fld>
@@ -2075,7 +2075,7 @@
           <p:cNvPr id="3" name="页脚占位符 2">
             <a:extLst>
               <a:ext uri="{FF2B5EF4-FFF2-40B4-BE49-F238E27FC236}">
-                <a16:creationId xmlns:a16="http://schemas.microsoft.com/office/drawing/2014/main" id="{774D962C-2082-A4C9-4B1A-0AEFC8599A41}"/>
+                <a16:creationId xmlns:a16="http://schemas.microsoft.com/office/drawing/2014/main" id="{C0AFB2A0-7262-6D61-C42B-8C78321727DD}"/>
               </a:ext>
             </a:extLst>
           </p:cNvPr>
@@ -2100,7 +2100,7 @@
           <p:cNvPr id="4" name="灯片编号占位符 3">
             <a:extLst>
               <a:ext uri="{FF2B5EF4-FFF2-40B4-BE49-F238E27FC236}">
-                <a16:creationId xmlns:a16="http://schemas.microsoft.com/office/drawing/2014/main" id="{D0B5F8F6-06BB-760A-6CF0-7B11169E3696}"/>
+                <a16:creationId xmlns:a16="http://schemas.microsoft.com/office/drawing/2014/main" id="{C2CA0810-B106-DC39-CE5C-DFA3ADB92651}"/>
               </a:ext>
             </a:extLst>
           </p:cNvPr>
@@ -2116,7 +2116,7 @@
           <a:bodyPr/>
           <a:lstStyle/>
           <a:p>
-            <a:fld id="{6511BC7E-DD7D-4D76-9EAB-6F440EE61B64}" type="slidenum">
+            <a:fld id="{04CE76F3-7C53-43B2-9E60-06BC44114E5C}" type="slidenum">
               <a:rPr lang="zh-CN" altLang="en-US" smtClean="0"/>
               <a:t>‹#›</a:t>
             </a:fld>
@@ -2127,7 +2127,7 @@
     </p:spTree>
     <p:extLst>
       <p:ext uri="{BB962C8B-B14F-4D97-AF65-F5344CB8AC3E}">
-        <p14:creationId xmlns:p14="http://schemas.microsoft.com/office/powerpoint/2010/main" val="3357064683"/>
+        <p14:creationId xmlns:p14="http://schemas.microsoft.com/office/powerpoint/2010/main" val="1628552686"/>
       </p:ext>
     </p:extLst>
   </p:cSld>
@@ -2159,7 +2159,7 @@
           <p:cNvPr id="2" name="标题 1">
             <a:extLst>
               <a:ext uri="{FF2B5EF4-FFF2-40B4-BE49-F238E27FC236}">
-                <a16:creationId xmlns:a16="http://schemas.microsoft.com/office/drawing/2014/main" id="{1162D9A5-9772-8837-97E1-9089CDC95A56}"/>
+                <a16:creationId xmlns:a16="http://schemas.microsoft.com/office/drawing/2014/main" id="{39738038-8E61-195B-073F-62F2D602B5D5}"/>
               </a:ext>
             </a:extLst>
           </p:cNvPr>
@@ -2196,7 +2196,7 @@
           <p:cNvPr id="3" name="内容占位符 2">
             <a:extLst>
               <a:ext uri="{FF2B5EF4-FFF2-40B4-BE49-F238E27FC236}">
-                <a16:creationId xmlns:a16="http://schemas.microsoft.com/office/drawing/2014/main" id="{823804BD-5BC1-9E9D-06BE-76FDF1AD5A67}"/>
+                <a16:creationId xmlns:a16="http://schemas.microsoft.com/office/drawing/2014/main" id="{57A6B466-6162-5FE6-1233-F868436D38B0}"/>
               </a:ext>
             </a:extLst>
           </p:cNvPr>
@@ -2286,7 +2286,7 @@
           <p:cNvPr id="4" name="文本占位符 3">
             <a:extLst>
               <a:ext uri="{FF2B5EF4-FFF2-40B4-BE49-F238E27FC236}">
-                <a16:creationId xmlns:a16="http://schemas.microsoft.com/office/drawing/2014/main" id="{47CAAF0D-C471-AFF5-A2E9-3AB157F4735D}"/>
+                <a16:creationId xmlns:a16="http://schemas.microsoft.com/office/drawing/2014/main" id="{0D26E7FB-7BC6-1F5B-DC87-CD2CF24E6546}"/>
               </a:ext>
             </a:extLst>
           </p:cNvPr>
@@ -2357,7 +2357,7 @@
           <p:cNvPr id="5" name="日期占位符 4">
             <a:extLst>
               <a:ext uri="{FF2B5EF4-FFF2-40B4-BE49-F238E27FC236}">
-                <a16:creationId xmlns:a16="http://schemas.microsoft.com/office/drawing/2014/main" id="{751FE837-EB48-AF00-59E5-1F6A1BDD27AD}"/>
+                <a16:creationId xmlns:a16="http://schemas.microsoft.com/office/drawing/2014/main" id="{71A59C88-C919-4104-21AF-5E7686AE5DC0}"/>
               </a:ext>
             </a:extLst>
           </p:cNvPr>
@@ -2373,7 +2373,7 @@
           <a:bodyPr/>
           <a:lstStyle/>
           <a:p>
-            <a:fld id="{FA038F7A-3927-4F19-9E6A-F31165481588}" type="datetimeFigureOut">
+            <a:fld id="{FCCEA67A-3D41-4BF9-8918-D7F78591ED34}" type="datetimeFigureOut">
               <a:rPr lang="zh-CN" altLang="en-US" smtClean="0"/>
               <a:t>2024/3/10</a:t>
             </a:fld>
@@ -2386,7 +2386,7 @@
           <p:cNvPr id="6" name="页脚占位符 5">
             <a:extLst>
               <a:ext uri="{FF2B5EF4-FFF2-40B4-BE49-F238E27FC236}">
-                <a16:creationId xmlns:a16="http://schemas.microsoft.com/office/drawing/2014/main" id="{E782B481-8D31-FEAC-FF9A-C57E9A4E0AAE}"/>
+                <a16:creationId xmlns:a16="http://schemas.microsoft.com/office/drawing/2014/main" id="{CF3C8917-4EB0-D5B5-6386-F82AD9BC3809}"/>
               </a:ext>
             </a:extLst>
           </p:cNvPr>
@@ -2411,7 +2411,7 @@
           <p:cNvPr id="7" name="灯片编号占位符 6">
             <a:extLst>
               <a:ext uri="{FF2B5EF4-FFF2-40B4-BE49-F238E27FC236}">
-                <a16:creationId xmlns:a16="http://schemas.microsoft.com/office/drawing/2014/main" id="{0FC0153B-7402-EC38-140C-44F84E166154}"/>
+                <a16:creationId xmlns:a16="http://schemas.microsoft.com/office/drawing/2014/main" id="{A6F1A018-7C38-03D8-310E-5F008AE3D7F1}"/>
               </a:ext>
             </a:extLst>
           </p:cNvPr>
@@ -2427,7 +2427,7 @@
           <a:bodyPr/>
           <a:lstStyle/>
           <a:p>
-            <a:fld id="{6511BC7E-DD7D-4D76-9EAB-6F440EE61B64}" type="slidenum">
+            <a:fld id="{04CE76F3-7C53-43B2-9E60-06BC44114E5C}" type="slidenum">
               <a:rPr lang="zh-CN" altLang="en-US" smtClean="0"/>
               <a:t>‹#›</a:t>
             </a:fld>
@@ -2438,7 +2438,7 @@
     </p:spTree>
     <p:extLst>
       <p:ext uri="{BB962C8B-B14F-4D97-AF65-F5344CB8AC3E}">
-        <p14:creationId xmlns:p14="http://schemas.microsoft.com/office/powerpoint/2010/main" val="3193139534"/>
+        <p14:creationId xmlns:p14="http://schemas.microsoft.com/office/powerpoint/2010/main" val="228680736"/>
       </p:ext>
     </p:extLst>
   </p:cSld>
@@ -2470,7 +2470,7 @@
           <p:cNvPr id="2" name="标题 1">
             <a:extLst>
               <a:ext uri="{FF2B5EF4-FFF2-40B4-BE49-F238E27FC236}">
-                <a16:creationId xmlns:a16="http://schemas.microsoft.com/office/drawing/2014/main" id="{29F84E0C-1F2E-7C6E-4C4C-F615BA175ECE}"/>
+                <a16:creationId xmlns:a16="http://schemas.microsoft.com/office/drawing/2014/main" id="{1173FEC2-B991-5423-0ACF-6CCFA5641117}"/>
               </a:ext>
             </a:extLst>
           </p:cNvPr>
@@ -2507,7 +2507,7 @@
           <p:cNvPr id="3" name="图片占位符 2">
             <a:extLst>
               <a:ext uri="{FF2B5EF4-FFF2-40B4-BE49-F238E27FC236}">
-                <a16:creationId xmlns:a16="http://schemas.microsoft.com/office/drawing/2014/main" id="{1C8554E8-425F-5E84-5F8F-15119E99ADF7}"/>
+                <a16:creationId xmlns:a16="http://schemas.microsoft.com/office/drawing/2014/main" id="{D998C6DC-CAA3-4B9B-BB2C-BDCD4769351E}"/>
               </a:ext>
             </a:extLst>
           </p:cNvPr>
@@ -2574,7 +2574,7 @@
           <p:cNvPr id="4" name="文本占位符 3">
             <a:extLst>
               <a:ext uri="{FF2B5EF4-FFF2-40B4-BE49-F238E27FC236}">
-                <a16:creationId xmlns:a16="http://schemas.microsoft.com/office/drawing/2014/main" id="{23541060-3ED9-9CAF-9074-5A679E6E77CD}"/>
+                <a16:creationId xmlns:a16="http://schemas.microsoft.com/office/drawing/2014/main" id="{0EC2E3B5-F7FB-AB05-CE1C-C1878098C527}"/>
               </a:ext>
             </a:extLst>
           </p:cNvPr>
@@ -2645,7 +2645,7 @@
           <p:cNvPr id="5" name="日期占位符 4">
             <a:extLst>
               <a:ext uri="{FF2B5EF4-FFF2-40B4-BE49-F238E27FC236}">
-                <a16:creationId xmlns:a16="http://schemas.microsoft.com/office/drawing/2014/main" id="{DA1FC128-4763-0265-D249-513E5AEEF7B3}"/>
+                <a16:creationId xmlns:a16="http://schemas.microsoft.com/office/drawing/2014/main" id="{E74649C4-5868-A1DB-E0B8-71CC812068F7}"/>
               </a:ext>
             </a:extLst>
           </p:cNvPr>
@@ -2661,7 +2661,7 @@
           <a:bodyPr/>
           <a:lstStyle/>
           <a:p>
-            <a:fld id="{FA038F7A-3927-4F19-9E6A-F31165481588}" type="datetimeFigureOut">
+            <a:fld id="{FCCEA67A-3D41-4BF9-8918-D7F78591ED34}" type="datetimeFigureOut">
               <a:rPr lang="zh-CN" altLang="en-US" smtClean="0"/>
               <a:t>2024/3/10</a:t>
             </a:fld>
@@ -2674,7 +2674,7 @@
           <p:cNvPr id="6" name="页脚占位符 5">
             <a:extLst>
               <a:ext uri="{FF2B5EF4-FFF2-40B4-BE49-F238E27FC236}">
-                <a16:creationId xmlns:a16="http://schemas.microsoft.com/office/drawing/2014/main" id="{6A9AA554-E030-E8B8-9813-C07E040102F2}"/>
+                <a16:creationId xmlns:a16="http://schemas.microsoft.com/office/drawing/2014/main" id="{E6965AC2-54C4-440F-8471-1D588C0F82F5}"/>
               </a:ext>
             </a:extLst>
           </p:cNvPr>
@@ -2699,7 +2699,7 @@
           <p:cNvPr id="7" name="灯片编号占位符 6">
             <a:extLst>
               <a:ext uri="{FF2B5EF4-FFF2-40B4-BE49-F238E27FC236}">
-                <a16:creationId xmlns:a16="http://schemas.microsoft.com/office/drawing/2014/main" id="{AA101789-B7B4-876E-8DDA-CCA337DFAAC2}"/>
+                <a16:creationId xmlns:a16="http://schemas.microsoft.com/office/drawing/2014/main" id="{F7A0D3AE-7935-6A0D-B045-736981AAED2E}"/>
               </a:ext>
             </a:extLst>
           </p:cNvPr>
@@ -2715,7 +2715,7 @@
           <a:bodyPr/>
           <a:lstStyle/>
           <a:p>
-            <a:fld id="{6511BC7E-DD7D-4D76-9EAB-6F440EE61B64}" type="slidenum">
+            <a:fld id="{04CE76F3-7C53-43B2-9E60-06BC44114E5C}" type="slidenum">
               <a:rPr lang="zh-CN" altLang="en-US" smtClean="0"/>
               <a:t>‹#›</a:t>
             </a:fld>
@@ -2726,7 +2726,7 @@
     </p:spTree>
     <p:extLst>
       <p:ext uri="{BB962C8B-B14F-4D97-AF65-F5344CB8AC3E}">
-        <p14:creationId xmlns:p14="http://schemas.microsoft.com/office/powerpoint/2010/main" val="737235933"/>
+        <p14:creationId xmlns:p14="http://schemas.microsoft.com/office/powerpoint/2010/main" val="3065683734"/>
       </p:ext>
     </p:extLst>
   </p:cSld>
@@ -2763,7 +2763,7 @@
           <p:cNvPr id="2" name="标题占位符 1">
             <a:extLst>
               <a:ext uri="{FF2B5EF4-FFF2-40B4-BE49-F238E27FC236}">
-                <a16:creationId xmlns:a16="http://schemas.microsoft.com/office/drawing/2014/main" id="{8750B3F9-7230-9A6E-4072-6FF52653553D}"/>
+                <a16:creationId xmlns:a16="http://schemas.microsoft.com/office/drawing/2014/main" id="{3333BEC7-B7B1-B0F1-A4C4-5C3E36BA25F9}"/>
               </a:ext>
             </a:extLst>
           </p:cNvPr>
@@ -2801,7 +2801,7 @@
           <p:cNvPr id="3" name="文本占位符 2">
             <a:extLst>
               <a:ext uri="{FF2B5EF4-FFF2-40B4-BE49-F238E27FC236}">
-                <a16:creationId xmlns:a16="http://schemas.microsoft.com/office/drawing/2014/main" id="{5BF66368-542E-808E-98A6-F9177D05EC24}"/>
+                <a16:creationId xmlns:a16="http://schemas.microsoft.com/office/drawing/2014/main" id="{7E346192-4452-08A5-3753-37B88EED8894}"/>
               </a:ext>
             </a:extLst>
           </p:cNvPr>
@@ -2868,7 +2868,7 @@
           <p:cNvPr id="4" name="日期占位符 3">
             <a:extLst>
               <a:ext uri="{FF2B5EF4-FFF2-40B4-BE49-F238E27FC236}">
-                <a16:creationId xmlns:a16="http://schemas.microsoft.com/office/drawing/2014/main" id="{1B363868-F34B-75D7-40A1-97C62B06ED7E}"/>
+                <a16:creationId xmlns:a16="http://schemas.microsoft.com/office/drawing/2014/main" id="{333189E7-9AF3-07D6-E8B4-4472E2C3D697}"/>
               </a:ext>
             </a:extLst>
           </p:cNvPr>
@@ -2902,7 +2902,7 @@
             </a:lvl1pPr>
           </a:lstStyle>
           <a:p>
-            <a:fld id="{FA038F7A-3927-4F19-9E6A-F31165481588}" type="datetimeFigureOut">
+            <a:fld id="{FCCEA67A-3D41-4BF9-8918-D7F78591ED34}" type="datetimeFigureOut">
               <a:rPr lang="zh-CN" altLang="en-US" smtClean="0"/>
               <a:t>2024/3/10</a:t>
             </a:fld>
@@ -2915,7 +2915,7 @@
           <p:cNvPr id="5" name="页脚占位符 4">
             <a:extLst>
               <a:ext uri="{FF2B5EF4-FFF2-40B4-BE49-F238E27FC236}">
-                <a16:creationId xmlns:a16="http://schemas.microsoft.com/office/drawing/2014/main" id="{B4632BDD-7BFE-85C1-6008-D00B43E8FE09}"/>
+                <a16:creationId xmlns:a16="http://schemas.microsoft.com/office/drawing/2014/main" id="{97DD33D8-1546-C391-7E23-411DFEB6D778}"/>
               </a:ext>
             </a:extLst>
           </p:cNvPr>
@@ -2958,7 +2958,7 @@
           <p:cNvPr id="6" name="灯片编号占位符 5">
             <a:extLst>
               <a:ext uri="{FF2B5EF4-FFF2-40B4-BE49-F238E27FC236}">
-                <a16:creationId xmlns:a16="http://schemas.microsoft.com/office/drawing/2014/main" id="{91C30C2E-6E13-07FD-0E46-E8ECB8187300}"/>
+                <a16:creationId xmlns:a16="http://schemas.microsoft.com/office/drawing/2014/main" id="{E47A9AE7-6309-2A16-5FF0-90786DCDCF13}"/>
               </a:ext>
             </a:extLst>
           </p:cNvPr>
@@ -2992,7 +2992,7 @@
             </a:lvl1pPr>
           </a:lstStyle>
           <a:p>
-            <a:fld id="{6511BC7E-DD7D-4D76-9EAB-6F440EE61B64}" type="slidenum">
+            <a:fld id="{04CE76F3-7C53-43B2-9E60-06BC44114E5C}" type="slidenum">
               <a:rPr lang="zh-CN" altLang="en-US" smtClean="0"/>
               <a:t>‹#›</a:t>
             </a:fld>
@@ -3003,7 +3003,7 @@
     </p:spTree>
     <p:extLst>
       <p:ext uri="{BB962C8B-B14F-4D97-AF65-F5344CB8AC3E}">
-        <p14:creationId xmlns:p14="http://schemas.microsoft.com/office/powerpoint/2010/main" val="1951685442"/>
+        <p14:creationId xmlns:p14="http://schemas.microsoft.com/office/powerpoint/2010/main" val="1278721324"/>
       </p:ext>
     </p:extLst>
   </p:cSld>
